--- a/gabriela's_work/presentation_P1.pptx
+++ b/gabriela's_work/presentation_P1.pptx
@@ -136,6 +136,35 @@
 <p188:authorLst xmlns:a="http://schemas.openxmlformats.org/drawingml/2006/main" xmlns:r="http://schemas.openxmlformats.org/officeDocument/2006/relationships" xmlns:p188="http://schemas.microsoft.com/office/powerpoint/2018/8/main">
   <p188:author id="{00000000-0000-0000-0000-000000000000}" name="Author" initials="A" userId="Author" providerId="AD"/>
 </p188:authorLst>
+</file>
+
+<file path=ppt/revisionInfo.xml><?xml version="1.0" encoding="utf-8"?>
+<p1510:revInfo xmlns:a="http://schemas.openxmlformats.org/drawingml/2006/main" xmlns:r="http://schemas.openxmlformats.org/officeDocument/2006/relationships" xmlns:p1510="http://schemas.microsoft.com/office/powerpoint/2015/10/main">
+  <p1510:revLst>
+    <p1510:client id="{775DC2D5-E650-4183-98D0-BFBD4156A8C2}" v="24" dt="2024-06-08T17:24:25.583"/>
+  </p1510:revLst>
+</p1510:revInfo>
+</file>
+
+<file path=ppt/changesInfos/changesInfo1.xml><?xml version="1.0" encoding="utf-8"?>
+<pc:chgInfo xmlns:a="http://schemas.openxmlformats.org/drawingml/2006/main" xmlns:r="http://schemas.openxmlformats.org/officeDocument/2006/relationships" xmlns:ac="http://schemas.microsoft.com/office/drawing/2013/main/command" xmlns:pc="http://schemas.microsoft.com/office/powerpoint/2013/main/command">
+  <pc:docChgLst>
+    <pc:chgData name="Gabriela Zarate" userId="3f0c7f0d94a01900" providerId="LiveId" clId="{775DC2D5-E650-4183-98D0-BFBD4156A8C2}"/>
+    <pc:docChg chg="modSld">
+      <pc:chgData name="Gabriela Zarate" userId="3f0c7f0d94a01900" providerId="LiveId" clId="{775DC2D5-E650-4183-98D0-BFBD4156A8C2}" dt="2024-06-08T17:24:25.583" v="23"/>
+      <pc:docMkLst>
+        <pc:docMk/>
+      </pc:docMkLst>
+      <pc:sldChg chg="setBg">
+        <pc:chgData name="Gabriela Zarate" userId="3f0c7f0d94a01900" providerId="LiveId" clId="{775DC2D5-E650-4183-98D0-BFBD4156A8C2}" dt="2024-06-08T17:24:25.583" v="23"/>
+        <pc:sldMkLst>
+          <pc:docMk/>
+          <pc:sldMk cId="363098972" sldId="3850"/>
+        </pc:sldMkLst>
+      </pc:sldChg>
+    </pc:docChg>
+  </pc:docChgLst>
+</pc:chgInfo>
 </file>
 
 <file path=ppt/handoutMasters/handoutMaster1.xml><?xml version="1.0" encoding="utf-8"?>
@@ -15525,35 +15554,6 @@
 </file>
 
 <file path=customXml/item1.xml><?xml version="1.0" encoding="utf-8"?>
-<p:properties xmlns:p="http://schemas.microsoft.com/office/2006/metadata/properties" xmlns:xsi="http://www.w3.org/2001/XMLSchema-instance" xmlns:pc="http://schemas.microsoft.com/office/infopath/2007/PartnerControls">
-  <documentManagement>
-    <_ip_UnifiedCompliancePolicyUIAction xmlns="http://schemas.microsoft.com/sharepoint/v3" xsi:nil="true"/>
-    <Image xmlns="71af3243-3dd4-4a8d-8c0d-dd76da1f02a5">
-      <Url xsi:nil="true"/>
-      <Description xsi:nil="true"/>
-    </Image>
-    <Status xmlns="71af3243-3dd4-4a8d-8c0d-dd76da1f02a5">Not started</Status>
-    <Background xmlns="71af3243-3dd4-4a8d-8c0d-dd76da1f02a5">false</Background>
-    <_ip_UnifiedCompliancePolicyProperties xmlns="http://schemas.microsoft.com/sharepoint/v3" xsi:nil="true"/>
-    <ImageTagsTaxHTField xmlns="71af3243-3dd4-4a8d-8c0d-dd76da1f02a5">
-      <Terms xmlns="http://schemas.microsoft.com/office/infopath/2007/PartnerControls"/>
-    </ImageTagsTaxHTField>
-    <TaxCatchAll xmlns="230e9df3-be65-4c73-a93b-d1236ebd677e" xsi:nil="true"/>
-    <MediaServiceKeyPoints xmlns="71af3243-3dd4-4a8d-8c0d-dd76da1f02a5" xsi:nil="true"/>
-  </documentManagement>
-</p:properties>
-</file>
-
-<file path=customXml/item2.xml><?xml version="1.0" encoding="utf-8"?>
-<?mso-contentType ?>
-<FormTemplates xmlns="http://schemas.microsoft.com/sharepoint/v3/contenttype/forms">
-  <Display>DocumentLibraryForm</Display>
-  <Edit>DocumentLibraryForm</Edit>
-  <New>DocumentLibraryForm</New>
-</FormTemplates>
-</file>
-
-<file path=customXml/item3.xml><?xml version="1.0" encoding="utf-8"?>
 <ct:contentTypeSchema xmlns:ct="http://schemas.microsoft.com/office/2006/metadata/contentType" xmlns:ma="http://schemas.microsoft.com/office/2006/metadata/properties/metaAttributes" ct:_="" ma:_="" ma:contentTypeName="Document" ma:contentTypeID="0x01010079F111ED35F8CC479449609E8A0923A6" ma:contentTypeVersion="28" ma:contentTypeDescription="Create a new document." ma:contentTypeScope="" ma:versionID="60f5a4f2d2b0abadcf532d48ebf9cb71">
   <xsd:schema xmlns:xsd="http://www.w3.org/2001/XMLSchema" xmlns:xs="http://www.w3.org/2001/XMLSchema" xmlns:p="http://schemas.microsoft.com/office/2006/metadata/properties" xmlns:ns1="http://schemas.microsoft.com/sharepoint/v3" xmlns:ns2="71af3243-3dd4-4a8d-8c0d-dd76da1f02a5" xmlns:ns3="16c05727-aa75-4e4a-9b5f-8a80a1165891" xmlns:ns4="230e9df3-be65-4c73-a93b-d1236ebd677e" targetNamespace="http://schemas.microsoft.com/office/2006/metadata/properties" ma:root="true" ma:fieldsID="7dd78129e6a1811f84807ad11c651531" ns1:_="" ns2:_="" ns3:_="" ns4:_="">
     <xsd:import namespace="http://schemas.microsoft.com/sharepoint/v3"/>
@@ -15865,27 +15865,36 @@
 </ct:contentTypeSchema>
 </file>
 
-<file path=customXml/itemProps1.xml><?xml version="1.0" encoding="utf-8"?>
-<ds:datastoreItem xmlns:ds="http://schemas.openxmlformats.org/officeDocument/2006/customXml" ds:itemID="{E130005B-6102-4F3C-A26F-485DF1BF9717}">
-  <ds:schemaRefs>
-    <ds:schemaRef ds:uri="http://schemas.microsoft.com/office/2006/metadata/properties"/>
-    <ds:schemaRef ds:uri="http://schemas.microsoft.com/office/infopath/2007/PartnerControls"/>
-    <ds:schemaRef ds:uri="http://schemas.microsoft.com/sharepoint/v3"/>
-    <ds:schemaRef ds:uri="71af3243-3dd4-4a8d-8c0d-dd76da1f02a5"/>
-    <ds:schemaRef ds:uri="230e9df3-be65-4c73-a93b-d1236ebd677e"/>
-  </ds:schemaRefs>
-</ds:datastoreItem>
+<file path=customXml/item2.xml><?xml version="1.0" encoding="utf-8"?>
+<?mso-contentType ?>
+<FormTemplates xmlns="http://schemas.microsoft.com/sharepoint/v3/contenttype/forms">
+  <Display>DocumentLibraryForm</Display>
+  <Edit>DocumentLibraryForm</Edit>
+  <New>DocumentLibraryForm</New>
+</FormTemplates>
 </file>
 
-<file path=customXml/itemProps2.xml><?xml version="1.0" encoding="utf-8"?>
-<ds:datastoreItem xmlns:ds="http://schemas.openxmlformats.org/officeDocument/2006/customXml" ds:itemID="{4E60708A-6461-4D7F-883F-7E25D731D326}">
-  <ds:schemaRefs>
-    <ds:schemaRef ds:uri="http://schemas.microsoft.com/sharepoint/v3/contenttype/forms"/>
-  </ds:schemaRefs>
-</ds:datastoreItem>
+<file path=customXml/item3.xml><?xml version="1.0" encoding="utf-8"?>
+<p:properties xmlns:p="http://schemas.microsoft.com/office/2006/metadata/properties" xmlns:xsi="http://www.w3.org/2001/XMLSchema-instance" xmlns:pc="http://schemas.microsoft.com/office/infopath/2007/PartnerControls">
+  <documentManagement>
+    <_ip_UnifiedCompliancePolicyUIAction xmlns="http://schemas.microsoft.com/sharepoint/v3" xsi:nil="true"/>
+    <Image xmlns="71af3243-3dd4-4a8d-8c0d-dd76da1f02a5">
+      <Url xsi:nil="true"/>
+      <Description xsi:nil="true"/>
+    </Image>
+    <Status xmlns="71af3243-3dd4-4a8d-8c0d-dd76da1f02a5">Not started</Status>
+    <Background xmlns="71af3243-3dd4-4a8d-8c0d-dd76da1f02a5">false</Background>
+    <_ip_UnifiedCompliancePolicyProperties xmlns="http://schemas.microsoft.com/sharepoint/v3" xsi:nil="true"/>
+    <ImageTagsTaxHTField xmlns="71af3243-3dd4-4a8d-8c0d-dd76da1f02a5">
+      <Terms xmlns="http://schemas.microsoft.com/office/infopath/2007/PartnerControls"/>
+    </ImageTagsTaxHTField>
+    <TaxCatchAll xmlns="230e9df3-be65-4c73-a93b-d1236ebd677e" xsi:nil="true"/>
+    <MediaServiceKeyPoints xmlns="71af3243-3dd4-4a8d-8c0d-dd76da1f02a5" xsi:nil="true"/>
+  </documentManagement>
+</p:properties>
 </file>
 
-<file path=customXml/itemProps3.xml><?xml version="1.0" encoding="utf-8"?>
+<file path=customXml/itemProps1.xml><?xml version="1.0" encoding="utf-8"?>
 <ds:datastoreItem xmlns:ds="http://schemas.openxmlformats.org/officeDocument/2006/customXml" ds:itemID="{2BC90B52-91C7-4BE9-8AE0-180FFFE1100A}">
   <ds:schemaRefs>
     <ds:schemaRef ds:uri="http://schemas.microsoft.com/office/2006/metadata/contentType"/>
@@ -15906,6 +15915,26 @@
 </ds:datastoreItem>
 </file>
 
+<file path=customXml/itemProps2.xml><?xml version="1.0" encoding="utf-8"?>
+<ds:datastoreItem xmlns:ds="http://schemas.openxmlformats.org/officeDocument/2006/customXml" ds:itemID="{4E60708A-6461-4D7F-883F-7E25D731D326}">
+  <ds:schemaRefs>
+    <ds:schemaRef ds:uri="http://schemas.microsoft.com/sharepoint/v3/contenttype/forms"/>
+  </ds:schemaRefs>
+</ds:datastoreItem>
+</file>
+
+<file path=customXml/itemProps3.xml><?xml version="1.0" encoding="utf-8"?>
+<ds:datastoreItem xmlns:ds="http://schemas.openxmlformats.org/officeDocument/2006/customXml" ds:itemID="{E130005B-6102-4F3C-A26F-485DF1BF9717}">
+  <ds:schemaRefs>
+    <ds:schemaRef ds:uri="http://schemas.microsoft.com/office/2006/metadata/properties"/>
+    <ds:schemaRef ds:uri="http://schemas.microsoft.com/office/infopath/2007/PartnerControls"/>
+    <ds:schemaRef ds:uri="http://schemas.microsoft.com/sharepoint/v3"/>
+    <ds:schemaRef ds:uri="71af3243-3dd4-4a8d-8c0d-dd76da1f02a5"/>
+    <ds:schemaRef ds:uri="230e9df3-be65-4c73-a93b-d1236ebd677e"/>
+  </ds:schemaRefs>
+</ds:datastoreItem>
+</file>
+
 <file path=docMetadata/LabelInfo.xml><?xml version="1.0" encoding="utf-8"?>
 <clbl:labelList xmlns:clbl="http://schemas.microsoft.com/office/2020/mipLabelMetadata"/>
 </file>